--- a/Project/Context/FoodEmotional.Context.pptx
+++ b/Project/Context/FoodEmotional.Context.pptx
@@ -121,7 +121,7 @@
 <file path=ppt/revisionInfo.xml><?xml version="1.0" encoding="utf-8"?>
 <p1510:revInfo xmlns:a="http://schemas.openxmlformats.org/drawingml/2006/main" xmlns:r="http://schemas.openxmlformats.org/officeDocument/2006/relationships" xmlns:p1510="http://schemas.microsoft.com/office/powerpoint/2015/10/main">
   <p1510:revLst>
-    <p1510:client id="{511A8156-0280-43B2-9420-0701ECCF12E9}" v="6" dt="2025-04-11T20:58:30.270"/>
+    <p1510:client id="{511A8156-0280-43B2-9420-0701ECCF12E9}" v="9" dt="2025-04-12T01:25:18.984"/>
   </p1510:revLst>
 </p1510:revInfo>
 </file>
@@ -131,7 +131,7 @@
   <pc:docChgLst>
     <pc:chgData name="carlos andres hurtado" userId="a14697c3644dda2f" providerId="LiveId" clId="{511A8156-0280-43B2-9420-0701ECCF12E9}"/>
     <pc:docChg chg="undo custSel addSld modSld">
-      <pc:chgData name="carlos andres hurtado" userId="a14697c3644dda2f" providerId="LiveId" clId="{511A8156-0280-43B2-9420-0701ECCF12E9}" dt="2025-04-11T21:01:48.895" v="132" actId="26606"/>
+      <pc:chgData name="carlos andres hurtado" userId="a14697c3644dda2f" providerId="LiveId" clId="{511A8156-0280-43B2-9420-0701ECCF12E9}" dt="2025-04-12T01:25:18.980" v="136"/>
       <pc:docMkLst>
         <pc:docMk/>
       </pc:docMkLst>
@@ -540,7 +540,7 @@
         </pc:picChg>
       </pc:sldChg>
       <pc:sldChg chg="addSp delSp modSp new mod setBg">
-        <pc:chgData name="carlos andres hurtado" userId="a14697c3644dda2f" providerId="LiveId" clId="{511A8156-0280-43B2-9420-0701ECCF12E9}" dt="2025-04-11T20:58:33.513" v="131" actId="26606"/>
+        <pc:chgData name="carlos andres hurtado" userId="a14697c3644dda2f" providerId="LiveId" clId="{511A8156-0280-43B2-9420-0701ECCF12E9}" dt="2025-04-12T01:25:18.980" v="136"/>
         <pc:sldMkLst>
           <pc:docMk/>
           <pc:sldMk cId="2987794531" sldId="261"/>
@@ -617,8 +617,8 @@
             <ac:graphicFrameMk id="4" creationId="{66384DEE-40D6-568B-B35C-E3D422326A6D}"/>
           </ac:graphicFrameMkLst>
         </pc:graphicFrameChg>
-        <pc:graphicFrameChg chg="add mod">
-          <ac:chgData name="carlos andres hurtado" userId="a14697c3644dda2f" providerId="LiveId" clId="{511A8156-0280-43B2-9420-0701ECCF12E9}" dt="2025-04-11T20:58:33.513" v="131" actId="26606"/>
+        <pc:graphicFrameChg chg="add mod modGraphic">
+          <ac:chgData name="carlos andres hurtado" userId="a14697c3644dda2f" providerId="LiveId" clId="{511A8156-0280-43B2-9420-0701ECCF12E9}" dt="2025-04-12T01:25:18.980" v="136"/>
           <ac:graphicFrameMkLst>
             <pc:docMk/>
             <pc:sldMk cId="2987794531" sldId="261"/>
@@ -20659,7 +20659,7 @@
             <p:ph idx="1"/>
             <p:extLst>
               <p:ext uri="{D42A27DB-BD31-4B8C-83A1-F6EECF244321}">
-                <p14:modId xmlns:p14="http://schemas.microsoft.com/office/powerpoint/2010/main" val="1970031882"/>
+                <p14:modId xmlns:p14="http://schemas.microsoft.com/office/powerpoint/2010/main" val="1969970778"/>
               </p:ext>
             </p:extLst>
           </p:nvPr>
@@ -20883,21 +20883,18 @@
                     <a:p>
                       <a:pPr algn="ctr" fontAlgn="ctr"/>
                       <a:r>
-                        <a:rPr lang="es-CO" sz="1600" u="none" strike="noStrike">
+                        <a:rPr lang="es-CO" sz="1100" b="1" i="0" u="none" strike="noStrike">
+                          <a:solidFill>
+                            <a:srgbClr val="000000"/>
+                          </a:solidFill>
                           <a:effectLst/>
+                          <a:latin typeface="Aptos Narrow" panose="020B0004020202020204" pitchFamily="34" charset="0"/>
                         </a:rPr>
                         <a:t>Atributo de Calidad</a:t>
                       </a:r>
-                      <a:endParaRPr lang="es-CO" sz="1600" b="1" i="0" u="none" strike="noStrike">
-                        <a:solidFill>
-                          <a:srgbClr val="000000"/>
-                        </a:solidFill>
-                        <a:effectLst/>
-                        <a:latin typeface="Aptos Narrow" panose="020B0004020202020204" pitchFamily="34" charset="0"/>
-                      </a:endParaRPr>
                     </a:p>
                   </a:txBody>
-                  <a:tcPr marL="10988" marR="10988" marT="10988" marB="0" anchor="ctr"/>
+                  <a:tcPr marL="7620" marR="7620" marT="7620" marB="0" anchor="ctr"/>
                 </a:tc>
                 <a:tc>
                   <a:txBody>
@@ -20906,21 +20903,18 @@
                     <a:p>
                       <a:pPr algn="ctr" fontAlgn="ctr"/>
                       <a:r>
-                        <a:rPr lang="es-CO" sz="1600" u="none" strike="noStrike">
+                        <a:rPr lang="es-CO" sz="1100" b="1" i="0" u="none" strike="noStrike">
+                          <a:solidFill>
+                            <a:srgbClr val="000000"/>
+                          </a:solidFill>
                           <a:effectLst/>
+                          <a:latin typeface="Aptos Narrow" panose="020B0004020202020204" pitchFamily="34" charset="0"/>
                         </a:rPr>
-                        <a:t>IT Manager</a:t>
+                        <a:t>Usuarios Finales</a:t>
                       </a:r>
-                      <a:endParaRPr lang="es-CO" sz="1600" b="1" i="0" u="none" strike="noStrike">
-                        <a:solidFill>
-                          <a:srgbClr val="000000"/>
-                        </a:solidFill>
-                        <a:effectLst/>
-                        <a:latin typeface="Aptos Narrow" panose="020B0004020202020204" pitchFamily="34" charset="0"/>
-                      </a:endParaRPr>
                     </a:p>
                   </a:txBody>
-                  <a:tcPr marL="10988" marR="10988" marT="10988" marB="0" anchor="ctr"/>
+                  <a:tcPr marL="7620" marR="7620" marT="7620" marB="0" anchor="ctr"/>
                 </a:tc>
                 <a:tc>
                   <a:txBody>
@@ -20929,21 +20923,18 @@
                     <a:p>
                       <a:pPr algn="ctr" fontAlgn="ctr"/>
                       <a:r>
-                        <a:rPr lang="es-CO" sz="1600" u="none" strike="noStrike">
+                        <a:rPr lang="es-CO" sz="1100" b="1" i="0" u="none" strike="noStrike">
+                          <a:solidFill>
+                            <a:srgbClr val="000000"/>
+                          </a:solidFill>
                           <a:effectLst/>
+                          <a:latin typeface="Aptos Narrow" panose="020B0004020202020204" pitchFamily="34" charset="0"/>
                         </a:rPr>
-                        <a:t>Seguridad</a:t>
+                        <a:t>Equipo de Desarrollo</a:t>
                       </a:r>
-                      <a:endParaRPr lang="es-CO" sz="1600" b="1" i="0" u="none" strike="noStrike">
-                        <a:solidFill>
-                          <a:srgbClr val="000000"/>
-                        </a:solidFill>
-                        <a:effectLst/>
-                        <a:latin typeface="Aptos Narrow" panose="020B0004020202020204" pitchFamily="34" charset="0"/>
-                      </a:endParaRPr>
                     </a:p>
                   </a:txBody>
-                  <a:tcPr marL="10988" marR="10988" marT="10988" marB="0" anchor="ctr"/>
+                  <a:tcPr marL="7620" marR="7620" marT="7620" marB="0" anchor="ctr"/>
                 </a:tc>
                 <a:tc>
                   <a:txBody>
@@ -20952,21 +20943,18 @@
                     <a:p>
                       <a:pPr algn="ctr" fontAlgn="ctr"/>
                       <a:r>
-                        <a:rPr lang="es-CO" sz="1600" u="none" strike="noStrike">
+                        <a:rPr lang="es-CO" sz="1100" b="1" i="0" u="none" strike="noStrike">
+                          <a:solidFill>
+                            <a:srgbClr val="000000"/>
+                          </a:solidFill>
                           <a:effectLst/>
+                          <a:latin typeface="Aptos Narrow" panose="020B0004020202020204" pitchFamily="34" charset="0"/>
                         </a:rPr>
-                        <a:t>DevOps</a:t>
+                        <a:t>Equipo de Marketing</a:t>
                       </a:r>
-                      <a:endParaRPr lang="es-CO" sz="1600" b="1" i="0" u="none" strike="noStrike">
-                        <a:solidFill>
-                          <a:srgbClr val="000000"/>
-                        </a:solidFill>
-                        <a:effectLst/>
-                        <a:latin typeface="Aptos Narrow" panose="020B0004020202020204" pitchFamily="34" charset="0"/>
-                      </a:endParaRPr>
                     </a:p>
                   </a:txBody>
-                  <a:tcPr marL="10988" marR="10988" marT="10988" marB="0" anchor="ctr"/>
+                  <a:tcPr marL="7620" marR="7620" marT="7620" marB="0" anchor="ctr"/>
                 </a:tc>
                 <a:tc>
                   <a:txBody>
@@ -20975,21 +20963,18 @@
                     <a:p>
                       <a:pPr algn="ctr" fontAlgn="ctr"/>
                       <a:r>
-                        <a:rPr lang="es-CO" sz="1600" u="none" strike="noStrike">
+                        <a:rPr lang="es-CO" sz="1100" b="1" i="0" u="none" strike="noStrike">
+                          <a:solidFill>
+                            <a:srgbClr val="000000"/>
+                          </a:solidFill>
                           <a:effectLst/>
+                          <a:latin typeface="Aptos Narrow" panose="020B0004020202020204" pitchFamily="34" charset="0"/>
                         </a:rPr>
-                        <a:t>Calidad</a:t>
+                        <a:t>Psicólogos/Nutricionistas</a:t>
                       </a:r>
-                      <a:endParaRPr lang="es-CO" sz="1600" b="1" i="0" u="none" strike="noStrike">
-                        <a:solidFill>
-                          <a:srgbClr val="000000"/>
-                        </a:solidFill>
-                        <a:effectLst/>
-                        <a:latin typeface="Aptos Narrow" panose="020B0004020202020204" pitchFamily="34" charset="0"/>
-                      </a:endParaRPr>
                     </a:p>
                   </a:txBody>
-                  <a:tcPr marL="10988" marR="10988" marT="10988" marB="0" anchor="ctr"/>
+                  <a:tcPr marL="7620" marR="7620" marT="7620" marB="0" anchor="ctr"/>
                 </a:tc>
                 <a:tc>
                   <a:txBody>
@@ -20998,21 +20983,18 @@
                     <a:p>
                       <a:pPr algn="ctr" fontAlgn="ctr"/>
                       <a:r>
-                        <a:rPr lang="es-CO" sz="1600" u="none" strike="noStrike">
+                        <a:rPr lang="es-CO" sz="1100" b="1" i="0" u="none" strike="noStrike">
+                          <a:solidFill>
+                            <a:srgbClr val="000000"/>
+                          </a:solidFill>
                           <a:effectLst/>
+                          <a:latin typeface="Aptos Narrow" panose="020B0004020202020204" pitchFamily="34" charset="0"/>
                         </a:rPr>
                         <a:t>Promedio (%)</a:t>
                       </a:r>
-                      <a:endParaRPr lang="es-CO" sz="1600" b="1" i="0" u="none" strike="noStrike">
-                        <a:solidFill>
-                          <a:srgbClr val="000000"/>
-                        </a:solidFill>
-                        <a:effectLst/>
-                        <a:latin typeface="Aptos Narrow" panose="020B0004020202020204" pitchFamily="34" charset="0"/>
-                      </a:endParaRPr>
                     </a:p>
                   </a:txBody>
-                  <a:tcPr marL="10988" marR="10988" marT="10988" marB="0" anchor="ctr"/>
+                  <a:tcPr marL="7620" marR="7620" marT="7620" marB="0" anchor="ctr"/>
                 </a:tc>
                 <a:tc>
                   <a:txBody>
@@ -21021,21 +21003,18 @@
                     <a:p>
                       <a:pPr algn="ctr" fontAlgn="ctr"/>
                       <a:r>
-                        <a:rPr lang="es-CO" sz="1600" u="none" strike="noStrike">
+                        <a:rPr lang="es-CO" sz="1100" b="1" i="0" u="none" strike="noStrike">
+                          <a:solidFill>
+                            <a:srgbClr val="000000"/>
+                          </a:solidFill>
                           <a:effectLst/>
+                          <a:latin typeface="Aptos Narrow" panose="020B0004020202020204" pitchFamily="34" charset="0"/>
                         </a:rPr>
                         <a:t>Peso Negociado (%)</a:t>
                       </a:r>
-                      <a:endParaRPr lang="es-CO" sz="1600" b="1" i="0" u="none" strike="noStrike">
-                        <a:solidFill>
-                          <a:srgbClr val="000000"/>
-                        </a:solidFill>
-                        <a:effectLst/>
-                        <a:latin typeface="Aptos Narrow" panose="020B0004020202020204" pitchFamily="34" charset="0"/>
-                      </a:endParaRPr>
                     </a:p>
                   </a:txBody>
-                  <a:tcPr marL="10988" marR="10988" marT="10988" marB="0" anchor="ctr"/>
+                  <a:tcPr marL="7620" marR="7620" marT="7620" marB="0" anchor="ctr"/>
                 </a:tc>
                 <a:extLst>
                   <a:ext uri="{0D108BD9-81ED-4DB2-BD59-A6C34878D82A}">
@@ -21051,21 +21030,18 @@
                     <a:p>
                       <a:pPr algn="l" fontAlgn="ctr"/>
                       <a:r>
-                        <a:rPr lang="es-CO" sz="1600" u="none" strike="noStrike">
+                        <a:rPr lang="es-CO" sz="1100" b="1" i="0" u="none" strike="noStrike">
+                          <a:solidFill>
+                            <a:srgbClr val="000000"/>
+                          </a:solidFill>
                           <a:effectLst/>
+                          <a:latin typeface="Aptos Narrow" panose="020B0004020202020204" pitchFamily="34" charset="0"/>
                         </a:rPr>
                         <a:t>Rendimiento</a:t>
                       </a:r>
-                      <a:endParaRPr lang="es-CO" sz="1600" b="1" i="0" u="none" strike="noStrike">
-                        <a:solidFill>
-                          <a:srgbClr val="000000"/>
-                        </a:solidFill>
-                        <a:effectLst/>
-                        <a:latin typeface="Aptos Narrow" panose="020B0004020202020204" pitchFamily="34" charset="0"/>
-                      </a:endParaRPr>
                     </a:p>
                   </a:txBody>
-                  <a:tcPr marL="10988" marR="10988" marT="10988" marB="0" anchor="ctr"/>
+                  <a:tcPr marL="7620" marR="7620" marT="7620" marB="0" anchor="ctr"/>
                 </a:tc>
                 <a:tc>
                   <a:txBody>
@@ -21074,21 +21050,18 @@
                     <a:p>
                       <a:pPr algn="r" fontAlgn="ctr"/>
                       <a:r>
-                        <a:rPr lang="es-CO" sz="1600" u="none" strike="noStrike">
+                        <a:rPr lang="es-CO" sz="1100" b="0" i="0" u="none" strike="noStrike">
+                          <a:solidFill>
+                            <a:srgbClr val="000000"/>
+                          </a:solidFill>
                           <a:effectLst/>
+                          <a:latin typeface="Aptos Narrow" panose="020B0004020202020204" pitchFamily="34" charset="0"/>
                         </a:rPr>
-                        <a:t>30%</a:t>
+                        <a:t>20%</a:t>
                       </a:r>
-                      <a:endParaRPr lang="es-CO" sz="1600" b="0" i="0" u="none" strike="noStrike">
-                        <a:solidFill>
-                          <a:srgbClr val="000000"/>
-                        </a:solidFill>
-                        <a:effectLst/>
-                        <a:latin typeface="Aptos Narrow" panose="020B0004020202020204" pitchFamily="34" charset="0"/>
-                      </a:endParaRPr>
                     </a:p>
                   </a:txBody>
-                  <a:tcPr marL="10988" marR="10988" marT="10988" marB="0" anchor="ctr"/>
+                  <a:tcPr marL="7620" marR="7620" marT="7620" marB="0" anchor="ctr"/>
                 </a:tc>
                 <a:tc>
                   <a:txBody>
@@ -21097,21 +21070,18 @@
                     <a:p>
                       <a:pPr algn="r" fontAlgn="ctr"/>
                       <a:r>
-                        <a:rPr lang="es-CO" sz="1600" u="none" strike="noStrike">
+                        <a:rPr lang="es-CO" sz="1100" b="0" i="0" u="none" strike="noStrike">
+                          <a:solidFill>
+                            <a:srgbClr val="000000"/>
+                          </a:solidFill>
                           <a:effectLst/>
+                          <a:latin typeface="Aptos Narrow" panose="020B0004020202020204" pitchFamily="34" charset="0"/>
                         </a:rPr>
-                        <a:t>25%</a:t>
+                        <a:t>30%</a:t>
                       </a:r>
-                      <a:endParaRPr lang="es-CO" sz="1600" b="0" i="0" u="none" strike="noStrike">
-                        <a:solidFill>
-                          <a:srgbClr val="000000"/>
-                        </a:solidFill>
-                        <a:effectLst/>
-                        <a:latin typeface="Aptos Narrow" panose="020B0004020202020204" pitchFamily="34" charset="0"/>
-                      </a:endParaRPr>
                     </a:p>
                   </a:txBody>
-                  <a:tcPr marL="10988" marR="10988" marT="10988" marB="0" anchor="ctr"/>
+                  <a:tcPr marL="7620" marR="7620" marT="7620" marB="0" anchor="ctr"/>
                 </a:tc>
                 <a:tc>
                   <a:txBody>
@@ -21120,21 +21090,18 @@
                     <a:p>
                       <a:pPr algn="r" fontAlgn="ctr"/>
                       <a:r>
-                        <a:rPr lang="es-CO" sz="1600" u="none" strike="noStrike">
+                        <a:rPr lang="es-CO" sz="1100" b="0" i="0" u="none" strike="noStrike">
+                          <a:solidFill>
+                            <a:srgbClr val="000000"/>
+                          </a:solidFill>
                           <a:effectLst/>
+                          <a:latin typeface="Aptos Narrow" panose="020B0004020202020204" pitchFamily="34" charset="0"/>
                         </a:rPr>
-                        <a:t>20%</a:t>
+                        <a:t>10%</a:t>
                       </a:r>
-                      <a:endParaRPr lang="es-CO" sz="1600" b="0" i="0" u="none" strike="noStrike">
-                        <a:solidFill>
-                          <a:srgbClr val="000000"/>
-                        </a:solidFill>
-                        <a:effectLst/>
-                        <a:latin typeface="Aptos Narrow" panose="020B0004020202020204" pitchFamily="34" charset="0"/>
-                      </a:endParaRPr>
                     </a:p>
                   </a:txBody>
-                  <a:tcPr marL="10988" marR="10988" marT="10988" marB="0" anchor="ctr"/>
+                  <a:tcPr marL="7620" marR="7620" marT="7620" marB="0" anchor="ctr"/>
                 </a:tc>
                 <a:tc>
                   <a:txBody>
@@ -21143,21 +21110,18 @@
                     <a:p>
                       <a:pPr algn="r" fontAlgn="ctr"/>
                       <a:r>
-                        <a:rPr lang="es-CO" sz="1600" u="none" strike="noStrike">
+                        <a:rPr lang="es-CO" sz="1100" b="0" i="0" u="none" strike="noStrike">
+                          <a:solidFill>
+                            <a:srgbClr val="000000"/>
+                          </a:solidFill>
                           <a:effectLst/>
+                          <a:latin typeface="Aptos Narrow" panose="020B0004020202020204" pitchFamily="34" charset="0"/>
                         </a:rPr>
-                        <a:t>15%</a:t>
+                        <a:t>10%</a:t>
                       </a:r>
-                      <a:endParaRPr lang="es-CO" sz="1600" b="0" i="0" u="none" strike="noStrike">
-                        <a:solidFill>
-                          <a:srgbClr val="000000"/>
-                        </a:solidFill>
-                        <a:effectLst/>
-                        <a:latin typeface="Aptos Narrow" panose="020B0004020202020204" pitchFamily="34" charset="0"/>
-                      </a:endParaRPr>
                     </a:p>
                   </a:txBody>
-                  <a:tcPr marL="10988" marR="10988" marT="10988" marB="0" anchor="ctr"/>
+                  <a:tcPr marL="7620" marR="7620" marT="7620" marB="0" anchor="ctr"/>
                 </a:tc>
                 <a:tc>
                   <a:txBody>
@@ -21166,21 +21130,18 @@
                     <a:p>
                       <a:pPr algn="r" fontAlgn="ctr"/>
                       <a:r>
-                        <a:rPr lang="es-CO" sz="1600" u="none" strike="noStrike">
+                        <a:rPr lang="es-CO" sz="1100" b="0" i="0" u="none" strike="noStrike">
+                          <a:solidFill>
+                            <a:srgbClr val="000000"/>
+                          </a:solidFill>
                           <a:effectLst/>
+                          <a:latin typeface="Aptos Narrow" panose="020B0004020202020204" pitchFamily="34" charset="0"/>
                         </a:rPr>
-                        <a:t>22,50%</a:t>
+                        <a:t>17,50%</a:t>
                       </a:r>
-                      <a:endParaRPr lang="es-CO" sz="1600" b="0" i="0" u="none" strike="noStrike">
-                        <a:solidFill>
-                          <a:srgbClr val="000000"/>
-                        </a:solidFill>
-                        <a:effectLst/>
-                        <a:latin typeface="Aptos Narrow" panose="020B0004020202020204" pitchFamily="34" charset="0"/>
-                      </a:endParaRPr>
                     </a:p>
                   </a:txBody>
-                  <a:tcPr marL="10988" marR="10988" marT="10988" marB="0" anchor="ctr"/>
+                  <a:tcPr marL="7620" marR="7620" marT="7620" marB="0" anchor="ctr"/>
                 </a:tc>
                 <a:tc>
                   <a:txBody>
@@ -21189,21 +21150,18 @@
                     <a:p>
                       <a:pPr algn="r" fontAlgn="ctr"/>
                       <a:r>
-                        <a:rPr lang="es-CO" sz="1600" u="none" strike="noStrike">
+                        <a:rPr lang="es-CO" sz="1100" b="0" i="0" u="none" strike="noStrike">
+                          <a:solidFill>
+                            <a:srgbClr val="000000"/>
+                          </a:solidFill>
                           <a:effectLst/>
+                          <a:latin typeface="Aptos Narrow" panose="020B0004020202020204" pitchFamily="34" charset="0"/>
                         </a:rPr>
-                        <a:t>23,00%</a:t>
+                        <a:t>18%</a:t>
                       </a:r>
-                      <a:endParaRPr lang="es-CO" sz="1600" b="1" i="0" u="none" strike="noStrike">
-                        <a:solidFill>
-                          <a:srgbClr val="000000"/>
-                        </a:solidFill>
-                        <a:effectLst/>
-                        <a:latin typeface="Aptos Narrow" panose="020B0004020202020204" pitchFamily="34" charset="0"/>
-                      </a:endParaRPr>
                     </a:p>
                   </a:txBody>
-                  <a:tcPr marL="10988" marR="10988" marT="10988" marB="0" anchor="ctr"/>
+                  <a:tcPr marL="7620" marR="7620" marT="7620" marB="0" anchor="ctr"/>
                 </a:tc>
                 <a:extLst>
                   <a:ext uri="{0D108BD9-81ED-4DB2-BD59-A6C34878D82A}">
@@ -21219,21 +21177,18 @@
                     <a:p>
                       <a:pPr algn="l" fontAlgn="ctr"/>
                       <a:r>
-                        <a:rPr lang="es-CO" sz="1600" u="none" strike="noStrike">
+                        <a:rPr lang="es-CO" sz="1100" b="1" i="0" u="none" strike="noStrike">
+                          <a:solidFill>
+                            <a:srgbClr val="000000"/>
+                          </a:solidFill>
                           <a:effectLst/>
+                          <a:latin typeface="Aptos Narrow" panose="020B0004020202020204" pitchFamily="34" charset="0"/>
                         </a:rPr>
                         <a:t>Disponibilidad</a:t>
                       </a:r>
-                      <a:endParaRPr lang="es-CO" sz="1600" b="1" i="0" u="none" strike="noStrike">
-                        <a:solidFill>
-                          <a:srgbClr val="000000"/>
-                        </a:solidFill>
-                        <a:effectLst/>
-                        <a:latin typeface="Aptos Narrow" panose="020B0004020202020204" pitchFamily="34" charset="0"/>
-                      </a:endParaRPr>
                     </a:p>
                   </a:txBody>
-                  <a:tcPr marL="10988" marR="10988" marT="10988" marB="0" anchor="ctr"/>
+                  <a:tcPr marL="7620" marR="7620" marT="7620" marB="0" anchor="ctr"/>
                 </a:tc>
                 <a:tc>
                   <a:txBody>
@@ -21242,21 +21197,18 @@
                     <a:p>
                       <a:pPr algn="r" fontAlgn="ctr"/>
                       <a:r>
-                        <a:rPr lang="es-CO" sz="1600" u="none" strike="noStrike">
+                        <a:rPr lang="es-CO" sz="1100" b="0" i="0" u="none" strike="noStrike">
+                          <a:solidFill>
+                            <a:srgbClr val="000000"/>
+                          </a:solidFill>
                           <a:effectLst/>
+                          <a:latin typeface="Aptos Narrow" panose="020B0004020202020204" pitchFamily="34" charset="0"/>
                         </a:rPr>
-                        <a:t>20%</a:t>
+                        <a:t>25%</a:t>
                       </a:r>
-                      <a:endParaRPr lang="es-CO" sz="1600" b="0" i="0" u="none" strike="noStrike">
-                        <a:solidFill>
-                          <a:srgbClr val="000000"/>
-                        </a:solidFill>
-                        <a:effectLst/>
-                        <a:latin typeface="Aptos Narrow" panose="020B0004020202020204" pitchFamily="34" charset="0"/>
-                      </a:endParaRPr>
                     </a:p>
                   </a:txBody>
-                  <a:tcPr marL="10988" marR="10988" marT="10988" marB="0" anchor="ctr"/>
+                  <a:tcPr marL="7620" marR="7620" marT="7620" marB="0" anchor="ctr"/>
                 </a:tc>
                 <a:tc>
                   <a:txBody>
@@ -21265,21 +21217,18 @@
                     <a:p>
                       <a:pPr algn="r" fontAlgn="ctr"/>
                       <a:r>
-                        <a:rPr lang="es-CO" sz="1600" u="none" strike="noStrike">
+                        <a:rPr lang="es-CO" sz="1100" b="0" i="0" u="none" strike="noStrike">
+                          <a:solidFill>
+                            <a:srgbClr val="000000"/>
+                          </a:solidFill>
                           <a:effectLst/>
+                          <a:latin typeface="Aptos Narrow" panose="020B0004020202020204" pitchFamily="34" charset="0"/>
                         </a:rPr>
                         <a:t>20%</a:t>
                       </a:r>
-                      <a:endParaRPr lang="es-CO" sz="1600" b="0" i="0" u="none" strike="noStrike">
-                        <a:solidFill>
-                          <a:srgbClr val="000000"/>
-                        </a:solidFill>
-                        <a:effectLst/>
-                        <a:latin typeface="Aptos Narrow" panose="020B0004020202020204" pitchFamily="34" charset="0"/>
-                      </a:endParaRPr>
                     </a:p>
                   </a:txBody>
-                  <a:tcPr marL="10988" marR="10988" marT="10988" marB="0" anchor="ctr"/>
+                  <a:tcPr marL="7620" marR="7620" marT="7620" marB="0" anchor="ctr"/>
                 </a:tc>
                 <a:tc>
                   <a:txBody>
@@ -21288,21 +21237,18 @@
                     <a:p>
                       <a:pPr algn="r" fontAlgn="ctr"/>
                       <a:r>
-                        <a:rPr lang="es-CO" sz="1600" u="none" strike="noStrike">
+                        <a:rPr lang="es-CO" sz="1100" b="0" i="0" u="none" strike="noStrike">
+                          <a:solidFill>
+                            <a:srgbClr val="000000"/>
+                          </a:solidFill>
                           <a:effectLst/>
+                          <a:latin typeface="Aptos Narrow" panose="020B0004020202020204" pitchFamily="34" charset="0"/>
                         </a:rPr>
-                        <a:t>25%</a:t>
+                        <a:t>15%</a:t>
                       </a:r>
-                      <a:endParaRPr lang="es-CO" sz="1600" b="0" i="0" u="none" strike="noStrike">
-                        <a:solidFill>
-                          <a:srgbClr val="000000"/>
-                        </a:solidFill>
-                        <a:effectLst/>
-                        <a:latin typeface="Aptos Narrow" panose="020B0004020202020204" pitchFamily="34" charset="0"/>
-                      </a:endParaRPr>
                     </a:p>
                   </a:txBody>
-                  <a:tcPr marL="10988" marR="10988" marT="10988" marB="0" anchor="ctr"/>
+                  <a:tcPr marL="7620" marR="7620" marT="7620" marB="0" anchor="ctr"/>
                 </a:tc>
                 <a:tc>
                   <a:txBody>
@@ -21311,21 +21257,18 @@
                     <a:p>
                       <a:pPr algn="r" fontAlgn="ctr"/>
                       <a:r>
-                        <a:rPr lang="es-CO" sz="1600" u="none" strike="noStrike">
+                        <a:rPr lang="es-CO" sz="1100" b="0" i="0" u="none" strike="noStrike">
+                          <a:solidFill>
+                            <a:srgbClr val="000000"/>
+                          </a:solidFill>
                           <a:effectLst/>
+                          <a:latin typeface="Aptos Narrow" panose="020B0004020202020204" pitchFamily="34" charset="0"/>
                         </a:rPr>
-                        <a:t>5%</a:t>
+                        <a:t>10%</a:t>
                       </a:r>
-                      <a:endParaRPr lang="es-CO" sz="1600" b="0" i="0" u="none" strike="noStrike">
-                        <a:solidFill>
-                          <a:srgbClr val="000000"/>
-                        </a:solidFill>
-                        <a:effectLst/>
-                        <a:latin typeface="Aptos Narrow" panose="020B0004020202020204" pitchFamily="34" charset="0"/>
-                      </a:endParaRPr>
                     </a:p>
                   </a:txBody>
-                  <a:tcPr marL="10988" marR="10988" marT="10988" marB="0" anchor="ctr"/>
+                  <a:tcPr marL="7620" marR="7620" marT="7620" marB="0" anchor="ctr"/>
                 </a:tc>
                 <a:tc>
                   <a:txBody>
@@ -21334,21 +21277,18 @@
                     <a:p>
                       <a:pPr algn="r" fontAlgn="ctr"/>
                       <a:r>
-                        <a:rPr lang="es-CO" sz="1600" u="none" strike="noStrike">
+                        <a:rPr lang="es-CO" sz="1100" b="0" i="0" u="none" strike="noStrike">
+                          <a:solidFill>
+                            <a:srgbClr val="000000"/>
+                          </a:solidFill>
                           <a:effectLst/>
+                          <a:latin typeface="Aptos Narrow" panose="020B0004020202020204" pitchFamily="34" charset="0"/>
                         </a:rPr>
                         <a:t>17,50%</a:t>
                       </a:r>
-                      <a:endParaRPr lang="es-CO" sz="1600" b="0" i="0" u="none" strike="noStrike">
-                        <a:solidFill>
-                          <a:srgbClr val="000000"/>
-                        </a:solidFill>
-                        <a:effectLst/>
-                        <a:latin typeface="Aptos Narrow" panose="020B0004020202020204" pitchFamily="34" charset="0"/>
-                      </a:endParaRPr>
                     </a:p>
                   </a:txBody>
-                  <a:tcPr marL="10988" marR="10988" marT="10988" marB="0" anchor="ctr"/>
+                  <a:tcPr marL="7620" marR="7620" marT="7620" marB="0" anchor="ctr"/>
                 </a:tc>
                 <a:tc>
                   <a:txBody>
@@ -21357,21 +21297,18 @@
                     <a:p>
                       <a:pPr algn="r" fontAlgn="ctr"/>
                       <a:r>
-                        <a:rPr lang="es-CO" sz="1600" u="none" strike="noStrike">
+                        <a:rPr lang="es-CO" sz="1100" b="0" i="0" u="none" strike="noStrike">
+                          <a:solidFill>
+                            <a:srgbClr val="000000"/>
+                          </a:solidFill>
                           <a:effectLst/>
+                          <a:latin typeface="Aptos Narrow" panose="020B0004020202020204" pitchFamily="34" charset="0"/>
                         </a:rPr>
-                        <a:t>18,00%</a:t>
+                        <a:t>18%</a:t>
                       </a:r>
-                      <a:endParaRPr lang="es-CO" sz="1600" b="1" i="0" u="none" strike="noStrike">
-                        <a:solidFill>
-                          <a:srgbClr val="000000"/>
-                        </a:solidFill>
-                        <a:effectLst/>
-                        <a:latin typeface="Aptos Narrow" panose="020B0004020202020204" pitchFamily="34" charset="0"/>
-                      </a:endParaRPr>
                     </a:p>
                   </a:txBody>
-                  <a:tcPr marL="10988" marR="10988" marT="10988" marB="0" anchor="ctr"/>
+                  <a:tcPr marL="7620" marR="7620" marT="7620" marB="0" anchor="ctr"/>
                 </a:tc>
                 <a:extLst>
                   <a:ext uri="{0D108BD9-81ED-4DB2-BD59-A6C34878D82A}">
@@ -21387,21 +21324,18 @@
                     <a:p>
                       <a:pPr algn="l" fontAlgn="ctr"/>
                       <a:r>
-                        <a:rPr lang="es-CO" sz="1600" u="none" strike="noStrike">
+                        <a:rPr lang="es-CO" sz="1100" b="1" i="0" u="none" strike="noStrike">
+                          <a:solidFill>
+                            <a:srgbClr val="000000"/>
+                          </a:solidFill>
                           <a:effectLst/>
+                          <a:latin typeface="Aptos Narrow" panose="020B0004020202020204" pitchFamily="34" charset="0"/>
                         </a:rPr>
                         <a:t>Seguridad</a:t>
                       </a:r>
-                      <a:endParaRPr lang="es-CO" sz="1600" b="1" i="0" u="none" strike="noStrike">
-                        <a:solidFill>
-                          <a:srgbClr val="000000"/>
-                        </a:solidFill>
-                        <a:effectLst/>
-                        <a:latin typeface="Aptos Narrow" panose="020B0004020202020204" pitchFamily="34" charset="0"/>
-                      </a:endParaRPr>
                     </a:p>
                   </a:txBody>
-                  <a:tcPr marL="10988" marR="10988" marT="10988" marB="0" anchor="ctr"/>
+                  <a:tcPr marL="7620" marR="7620" marT="7620" marB="0" anchor="ctr"/>
                 </a:tc>
                 <a:tc>
                   <a:txBody>
@@ -21410,21 +21344,18 @@
                     <a:p>
                       <a:pPr algn="r" fontAlgn="ctr"/>
                       <a:r>
-                        <a:rPr lang="es-CO" sz="1600" u="none" strike="noStrike">
+                        <a:rPr lang="es-CO" sz="1100" b="0" i="0" u="none" strike="noStrike">
+                          <a:solidFill>
+                            <a:srgbClr val="000000"/>
+                          </a:solidFill>
                           <a:effectLst/>
+                          <a:latin typeface="Aptos Narrow" panose="020B0004020202020204" pitchFamily="34" charset="0"/>
                         </a:rPr>
                         <a:t>20%</a:t>
                       </a:r>
-                      <a:endParaRPr lang="es-CO" sz="1600" b="0" i="0" u="none" strike="noStrike">
-                        <a:solidFill>
-                          <a:srgbClr val="000000"/>
-                        </a:solidFill>
-                        <a:effectLst/>
-                        <a:latin typeface="Aptos Narrow" panose="020B0004020202020204" pitchFamily="34" charset="0"/>
-                      </a:endParaRPr>
                     </a:p>
                   </a:txBody>
-                  <a:tcPr marL="10988" marR="10988" marT="10988" marB="0" anchor="ctr"/>
+                  <a:tcPr marL="7620" marR="7620" marT="7620" marB="0" anchor="ctr"/>
                 </a:tc>
                 <a:tc>
                   <a:txBody>
@@ -21433,21 +21364,18 @@
                     <a:p>
                       <a:pPr algn="r" fontAlgn="ctr"/>
                       <a:r>
-                        <a:rPr lang="es-CO" sz="1600" u="none" strike="noStrike">
+                        <a:rPr lang="es-CO" sz="1100" b="0" i="0" u="none" strike="noStrike">
+                          <a:solidFill>
+                            <a:srgbClr val="000000"/>
+                          </a:solidFill>
                           <a:effectLst/>
+                          <a:latin typeface="Aptos Narrow" panose="020B0004020202020204" pitchFamily="34" charset="0"/>
                         </a:rPr>
-                        <a:t>30%</a:t>
+                        <a:t>25%</a:t>
                       </a:r>
-                      <a:endParaRPr lang="es-CO" sz="1600" b="0" i="0" u="none" strike="noStrike">
-                        <a:solidFill>
-                          <a:srgbClr val="000000"/>
-                        </a:solidFill>
-                        <a:effectLst/>
-                        <a:latin typeface="Aptos Narrow" panose="020B0004020202020204" pitchFamily="34" charset="0"/>
-                      </a:endParaRPr>
                     </a:p>
                   </a:txBody>
-                  <a:tcPr marL="10988" marR="10988" marT="10988" marB="0" anchor="ctr"/>
+                  <a:tcPr marL="7620" marR="7620" marT="7620" marB="0" anchor="ctr"/>
                 </a:tc>
                 <a:tc>
                   <a:txBody>
@@ -21456,21 +21384,18 @@
                     <a:p>
                       <a:pPr algn="r" fontAlgn="ctr"/>
                       <a:r>
-                        <a:rPr lang="es-CO" sz="1600" u="none" strike="noStrike">
+                        <a:rPr lang="es-CO" sz="1100" b="0" i="0" u="none" strike="noStrike">
+                          <a:solidFill>
+                            <a:srgbClr val="000000"/>
+                          </a:solidFill>
                           <a:effectLst/>
+                          <a:latin typeface="Aptos Narrow" panose="020B0004020202020204" pitchFamily="34" charset="0"/>
                         </a:rPr>
-                        <a:t>15%</a:t>
+                        <a:t>10%</a:t>
                       </a:r>
-                      <a:endParaRPr lang="es-CO" sz="1600" b="0" i="0" u="none" strike="noStrike">
-                        <a:solidFill>
-                          <a:srgbClr val="000000"/>
-                        </a:solidFill>
-                        <a:effectLst/>
-                        <a:latin typeface="Aptos Narrow" panose="020B0004020202020204" pitchFamily="34" charset="0"/>
-                      </a:endParaRPr>
                     </a:p>
                   </a:txBody>
-                  <a:tcPr marL="10988" marR="10988" marT="10988" marB="0" anchor="ctr"/>
+                  <a:tcPr marL="7620" marR="7620" marT="7620" marB="0" anchor="ctr"/>
                 </a:tc>
                 <a:tc>
                   <a:txBody>
@@ -21479,21 +21404,18 @@
                     <a:p>
                       <a:pPr algn="r" fontAlgn="ctr"/>
                       <a:r>
-                        <a:rPr lang="es-CO" sz="1600" u="none" strike="noStrike">
+                        <a:rPr lang="es-CO" sz="1100" b="0" i="0" u="none" strike="noStrike">
+                          <a:solidFill>
+                            <a:srgbClr val="000000"/>
+                          </a:solidFill>
                           <a:effectLst/>
+                          <a:latin typeface="Aptos Narrow" panose="020B0004020202020204" pitchFamily="34" charset="0"/>
                         </a:rPr>
-                        <a:t>15%</a:t>
+                        <a:t>30%</a:t>
                       </a:r>
-                      <a:endParaRPr lang="es-CO" sz="1600" b="0" i="0" u="none" strike="noStrike">
-                        <a:solidFill>
-                          <a:srgbClr val="000000"/>
-                        </a:solidFill>
-                        <a:effectLst/>
-                        <a:latin typeface="Aptos Narrow" panose="020B0004020202020204" pitchFamily="34" charset="0"/>
-                      </a:endParaRPr>
                     </a:p>
                   </a:txBody>
-                  <a:tcPr marL="10988" marR="10988" marT="10988" marB="0" anchor="ctr"/>
+                  <a:tcPr marL="7620" marR="7620" marT="7620" marB="0" anchor="ctr"/>
                 </a:tc>
                 <a:tc>
                   <a:txBody>
@@ -21502,21 +21424,18 @@
                     <a:p>
                       <a:pPr algn="r" fontAlgn="ctr"/>
                       <a:r>
-                        <a:rPr lang="es-CO" sz="1600" u="none" strike="noStrike">
+                        <a:rPr lang="es-CO" sz="1100" b="0" i="0" u="none" strike="noStrike">
+                          <a:solidFill>
+                            <a:srgbClr val="000000"/>
+                          </a:solidFill>
                           <a:effectLst/>
+                          <a:latin typeface="Aptos Narrow" panose="020B0004020202020204" pitchFamily="34" charset="0"/>
                         </a:rPr>
-                        <a:t>20,00%</a:t>
+                        <a:t>21,25%</a:t>
                       </a:r>
-                      <a:endParaRPr lang="es-CO" sz="1600" b="0" i="0" u="none" strike="noStrike">
-                        <a:solidFill>
-                          <a:srgbClr val="000000"/>
-                        </a:solidFill>
-                        <a:effectLst/>
-                        <a:latin typeface="Aptos Narrow" panose="020B0004020202020204" pitchFamily="34" charset="0"/>
-                      </a:endParaRPr>
                     </a:p>
                   </a:txBody>
-                  <a:tcPr marL="10988" marR="10988" marT="10988" marB="0" anchor="ctr"/>
+                  <a:tcPr marL="7620" marR="7620" marT="7620" marB="0" anchor="ctr"/>
                 </a:tc>
                 <a:tc>
                   <a:txBody>
@@ -21525,21 +21444,18 @@
                     <a:p>
                       <a:pPr algn="r" fontAlgn="ctr"/>
                       <a:r>
-                        <a:rPr lang="es-CO" sz="1600" u="none" strike="noStrike">
+                        <a:rPr lang="es-CO" sz="1100" b="0" i="0" u="none" strike="noStrike">
+                          <a:solidFill>
+                            <a:srgbClr val="000000"/>
+                          </a:solidFill>
                           <a:effectLst/>
+                          <a:latin typeface="Aptos Narrow" panose="020B0004020202020204" pitchFamily="34" charset="0"/>
                         </a:rPr>
-                        <a:t>20,00%</a:t>
+                        <a:t>22%</a:t>
                       </a:r>
-                      <a:endParaRPr lang="es-CO" sz="1600" b="1" i="0" u="none" strike="noStrike">
-                        <a:solidFill>
-                          <a:srgbClr val="000000"/>
-                        </a:solidFill>
-                        <a:effectLst/>
-                        <a:latin typeface="Aptos Narrow" panose="020B0004020202020204" pitchFamily="34" charset="0"/>
-                      </a:endParaRPr>
                     </a:p>
                   </a:txBody>
-                  <a:tcPr marL="10988" marR="10988" marT="10988" marB="0" anchor="ctr"/>
+                  <a:tcPr marL="7620" marR="7620" marT="7620" marB="0" anchor="ctr"/>
                 </a:tc>
                 <a:extLst>
                   <a:ext uri="{0D108BD9-81ED-4DB2-BD59-A6C34878D82A}">
@@ -21555,21 +21471,18 @@
                     <a:p>
                       <a:pPr algn="l" fontAlgn="ctr"/>
                       <a:r>
-                        <a:rPr lang="es-CO" sz="1600" u="none" strike="noStrike">
+                        <a:rPr lang="es-CO" sz="1100" b="1" i="0" u="none" strike="noStrike">
+                          <a:solidFill>
+                            <a:srgbClr val="000000"/>
+                          </a:solidFill>
                           <a:effectLst/>
+                          <a:latin typeface="Aptos Narrow" panose="020B0004020202020204" pitchFamily="34" charset="0"/>
                         </a:rPr>
                         <a:t>Escalabilidad</a:t>
                       </a:r>
-                      <a:endParaRPr lang="es-CO" sz="1600" b="1" i="0" u="none" strike="noStrike">
-                        <a:solidFill>
-                          <a:srgbClr val="000000"/>
-                        </a:solidFill>
-                        <a:effectLst/>
-                        <a:latin typeface="Aptos Narrow" panose="020B0004020202020204" pitchFamily="34" charset="0"/>
-                      </a:endParaRPr>
                     </a:p>
                   </a:txBody>
-                  <a:tcPr marL="10988" marR="10988" marT="10988" marB="0" anchor="ctr"/>
+                  <a:tcPr marL="7620" marR="7620" marT="7620" marB="0" anchor="ctr"/>
                 </a:tc>
                 <a:tc>
                   <a:txBody>
@@ -21578,21 +21491,18 @@
                     <a:p>
                       <a:pPr algn="r" fontAlgn="ctr"/>
                       <a:r>
-                        <a:rPr lang="es-CO" sz="1600" u="none" strike="noStrike">
+                        <a:rPr lang="es-CO" sz="1100" b="0" i="0" u="none" strike="noStrike">
+                          <a:solidFill>
+                            <a:srgbClr val="000000"/>
+                          </a:solidFill>
                           <a:effectLst/>
+                          <a:latin typeface="Aptos Narrow" panose="020B0004020202020204" pitchFamily="34" charset="0"/>
                         </a:rPr>
                         <a:t>5%</a:t>
                       </a:r>
-                      <a:endParaRPr lang="es-CO" sz="1600" b="0" i="0" u="none" strike="noStrike">
-                        <a:solidFill>
-                          <a:srgbClr val="000000"/>
-                        </a:solidFill>
-                        <a:effectLst/>
-                        <a:latin typeface="Aptos Narrow" panose="020B0004020202020204" pitchFamily="34" charset="0"/>
-                      </a:endParaRPr>
                     </a:p>
                   </a:txBody>
-                  <a:tcPr marL="10988" marR="10988" marT="10988" marB="0" anchor="ctr"/>
+                  <a:tcPr marL="7620" marR="7620" marT="7620" marB="0" anchor="ctr"/>
                 </a:tc>
                 <a:tc>
                   <a:txBody>
@@ -21601,21 +21511,18 @@
                     <a:p>
                       <a:pPr algn="r" fontAlgn="ctr"/>
                       <a:r>
-                        <a:rPr lang="es-CO" sz="1600" u="none" strike="noStrike">
+                        <a:rPr lang="es-CO" sz="1100" b="0" i="0" u="none" strike="noStrike">
+                          <a:solidFill>
+                            <a:srgbClr val="000000"/>
+                          </a:solidFill>
                           <a:effectLst/>
+                          <a:latin typeface="Aptos Narrow" panose="020B0004020202020204" pitchFamily="34" charset="0"/>
                         </a:rPr>
-                        <a:t>5%</a:t>
+                        <a:t>15%</a:t>
                       </a:r>
-                      <a:endParaRPr lang="es-CO" sz="1600" b="0" i="0" u="none" strike="noStrike">
-                        <a:solidFill>
-                          <a:srgbClr val="000000"/>
-                        </a:solidFill>
-                        <a:effectLst/>
-                        <a:latin typeface="Aptos Narrow" panose="020B0004020202020204" pitchFamily="34" charset="0"/>
-                      </a:endParaRPr>
                     </a:p>
                   </a:txBody>
-                  <a:tcPr marL="10988" marR="10988" marT="10988" marB="0" anchor="ctr"/>
+                  <a:tcPr marL="7620" marR="7620" marT="7620" marB="0" anchor="ctr"/>
                 </a:tc>
                 <a:tc>
                   <a:txBody>
@@ -21624,21 +21531,18 @@
                     <a:p>
                       <a:pPr algn="r" fontAlgn="ctr"/>
                       <a:r>
-                        <a:rPr lang="es-CO" sz="1600" u="none" strike="noStrike">
+                        <a:rPr lang="es-CO" sz="1100" b="0" i="0" u="none" strike="noStrike">
+                          <a:solidFill>
+                            <a:srgbClr val="000000"/>
+                          </a:solidFill>
                           <a:effectLst/>
+                          <a:latin typeface="Aptos Narrow" panose="020B0004020202020204" pitchFamily="34" charset="0"/>
                         </a:rPr>
                         <a:t>20%</a:t>
                       </a:r>
-                      <a:endParaRPr lang="es-CO" sz="1600" b="0" i="0" u="none" strike="noStrike">
-                        <a:solidFill>
-                          <a:srgbClr val="000000"/>
-                        </a:solidFill>
-                        <a:effectLst/>
-                        <a:latin typeface="Aptos Narrow" panose="020B0004020202020204" pitchFamily="34" charset="0"/>
-                      </a:endParaRPr>
                     </a:p>
                   </a:txBody>
-                  <a:tcPr marL="10988" marR="10988" marT="10988" marB="0" anchor="ctr"/>
+                  <a:tcPr marL="7620" marR="7620" marT="7620" marB="0" anchor="ctr"/>
                 </a:tc>
                 <a:tc>
                   <a:txBody>
@@ -21647,21 +21551,18 @@
                     <a:p>
                       <a:pPr algn="r" fontAlgn="ctr"/>
                       <a:r>
-                        <a:rPr lang="es-CO" sz="1600" u="none" strike="noStrike">
+                        <a:rPr lang="es-CO" sz="1100" b="0" i="0" u="none" strike="noStrike">
+                          <a:solidFill>
+                            <a:srgbClr val="000000"/>
+                          </a:solidFill>
                           <a:effectLst/>
+                          <a:latin typeface="Aptos Narrow" panose="020B0004020202020204" pitchFamily="34" charset="0"/>
                         </a:rPr>
-                        <a:t>10%</a:t>
+                        <a:t>5%</a:t>
                       </a:r>
-                      <a:endParaRPr lang="es-CO" sz="1600" b="0" i="0" u="none" strike="noStrike">
-                        <a:solidFill>
-                          <a:srgbClr val="000000"/>
-                        </a:solidFill>
-                        <a:effectLst/>
-                        <a:latin typeface="Aptos Narrow" panose="020B0004020202020204" pitchFamily="34" charset="0"/>
-                      </a:endParaRPr>
                     </a:p>
                   </a:txBody>
-                  <a:tcPr marL="10988" marR="10988" marT="10988" marB="0" anchor="ctr"/>
+                  <a:tcPr marL="7620" marR="7620" marT="7620" marB="0" anchor="ctr"/>
                 </a:tc>
                 <a:tc>
                   <a:txBody>
@@ -21670,21 +21571,18 @@
                     <a:p>
                       <a:pPr algn="r" fontAlgn="ctr"/>
                       <a:r>
-                        <a:rPr lang="es-CO" sz="1600" u="none" strike="noStrike">
+                        <a:rPr lang="es-CO" sz="1100" b="0" i="0" u="none" strike="noStrike">
+                          <a:solidFill>
+                            <a:srgbClr val="000000"/>
+                          </a:solidFill>
                           <a:effectLst/>
+                          <a:latin typeface="Aptos Narrow" panose="020B0004020202020204" pitchFamily="34" charset="0"/>
                         </a:rPr>
-                        <a:t>10,00%</a:t>
+                        <a:t>11,25%</a:t>
                       </a:r>
-                      <a:endParaRPr lang="es-CO" sz="1600" b="0" i="0" u="none" strike="noStrike">
-                        <a:solidFill>
-                          <a:srgbClr val="000000"/>
-                        </a:solidFill>
-                        <a:effectLst/>
-                        <a:latin typeface="Aptos Narrow" panose="020B0004020202020204" pitchFamily="34" charset="0"/>
-                      </a:endParaRPr>
                     </a:p>
                   </a:txBody>
-                  <a:tcPr marL="10988" marR="10988" marT="10988" marB="0" anchor="ctr"/>
+                  <a:tcPr marL="7620" marR="7620" marT="7620" marB="0" anchor="ctr"/>
                 </a:tc>
                 <a:tc>
                   <a:txBody>
@@ -21693,21 +21591,18 @@
                     <a:p>
                       <a:pPr algn="r" fontAlgn="ctr"/>
                       <a:r>
-                        <a:rPr lang="es-CO" sz="1600" u="none" strike="noStrike">
+                        <a:rPr lang="es-CO" sz="1100" b="0" i="0" u="none" strike="noStrike">
+                          <a:solidFill>
+                            <a:srgbClr val="000000"/>
+                          </a:solidFill>
                           <a:effectLst/>
+                          <a:latin typeface="Aptos Narrow" panose="020B0004020202020204" pitchFamily="34" charset="0"/>
                         </a:rPr>
-                        <a:t>10,00%</a:t>
+                        <a:t>10%</a:t>
                       </a:r>
-                      <a:endParaRPr lang="es-CO" sz="1600" b="1" i="0" u="none" strike="noStrike">
-                        <a:solidFill>
-                          <a:srgbClr val="000000"/>
-                        </a:solidFill>
-                        <a:effectLst/>
-                        <a:latin typeface="Aptos Narrow" panose="020B0004020202020204" pitchFamily="34" charset="0"/>
-                      </a:endParaRPr>
                     </a:p>
                   </a:txBody>
-                  <a:tcPr marL="10988" marR="10988" marT="10988" marB="0" anchor="ctr"/>
+                  <a:tcPr marL="7620" marR="7620" marT="7620" marB="0" anchor="ctr"/>
                 </a:tc>
                 <a:extLst>
                   <a:ext uri="{0D108BD9-81ED-4DB2-BD59-A6C34878D82A}">
@@ -21723,21 +21618,18 @@
                     <a:p>
                       <a:pPr algn="l" fontAlgn="ctr"/>
                       <a:r>
-                        <a:rPr lang="es-CO" sz="1600" u="none" strike="noStrike">
+                        <a:rPr lang="es-CO" sz="1100" b="1" i="0" u="none" strike="noStrike">
+                          <a:solidFill>
+                            <a:srgbClr val="000000"/>
+                          </a:solidFill>
                           <a:effectLst/>
+                          <a:latin typeface="Aptos Narrow" panose="020B0004020202020204" pitchFamily="34" charset="0"/>
                         </a:rPr>
                         <a:t>Usabilidad</a:t>
                       </a:r>
-                      <a:endParaRPr lang="es-CO" sz="1600" b="1" i="0" u="none" strike="noStrike">
-                        <a:solidFill>
-                          <a:srgbClr val="000000"/>
-                        </a:solidFill>
-                        <a:effectLst/>
-                        <a:latin typeface="Aptos Narrow" panose="020B0004020202020204" pitchFamily="34" charset="0"/>
-                      </a:endParaRPr>
                     </a:p>
                   </a:txBody>
-                  <a:tcPr marL="10988" marR="10988" marT="10988" marB="0" anchor="ctr"/>
+                  <a:tcPr marL="7620" marR="7620" marT="7620" marB="0" anchor="ctr"/>
                 </a:tc>
                 <a:tc>
                   <a:txBody>
@@ -21746,21 +21638,18 @@
                     <a:p>
                       <a:pPr algn="r" fontAlgn="ctr"/>
                       <a:r>
-                        <a:rPr lang="es-CO" sz="1600" u="none" strike="noStrike">
+                        <a:rPr lang="es-CO" sz="1100" b="0" i="0" u="none" strike="noStrike">
+                          <a:solidFill>
+                            <a:srgbClr val="000000"/>
+                          </a:solidFill>
                           <a:effectLst/>
+                          <a:latin typeface="Aptos Narrow" panose="020B0004020202020204" pitchFamily="34" charset="0"/>
                         </a:rPr>
-                        <a:t>10%</a:t>
+                        <a:t>20%</a:t>
                       </a:r>
-                      <a:endParaRPr lang="es-CO" sz="1600" b="0" i="0" u="none" strike="noStrike">
-                        <a:solidFill>
-                          <a:srgbClr val="000000"/>
-                        </a:solidFill>
-                        <a:effectLst/>
-                        <a:latin typeface="Aptos Narrow" panose="020B0004020202020204" pitchFamily="34" charset="0"/>
-                      </a:endParaRPr>
                     </a:p>
                   </a:txBody>
-                  <a:tcPr marL="10988" marR="10988" marT="10988" marB="0" anchor="ctr"/>
+                  <a:tcPr marL="7620" marR="7620" marT="7620" marB="0" anchor="ctr"/>
                 </a:tc>
                 <a:tc>
                   <a:txBody>
@@ -21769,21 +21658,18 @@
                     <a:p>
                       <a:pPr algn="r" fontAlgn="ctr"/>
                       <a:r>
-                        <a:rPr lang="es-CO" sz="1600" u="none" strike="noStrike">
+                        <a:rPr lang="es-CO" sz="1100" b="0" i="0" u="none" strike="noStrike">
+                          <a:solidFill>
+                            <a:srgbClr val="000000"/>
+                          </a:solidFill>
                           <a:effectLst/>
+                          <a:latin typeface="Aptos Narrow" panose="020B0004020202020204" pitchFamily="34" charset="0"/>
                         </a:rPr>
                         <a:t>5%</a:t>
                       </a:r>
-                      <a:endParaRPr lang="es-CO" sz="1600" b="0" i="0" u="none" strike="noStrike">
-                        <a:solidFill>
-                          <a:srgbClr val="000000"/>
-                        </a:solidFill>
-                        <a:effectLst/>
-                        <a:latin typeface="Aptos Narrow" panose="020B0004020202020204" pitchFamily="34" charset="0"/>
-                      </a:endParaRPr>
                     </a:p>
                   </a:txBody>
-                  <a:tcPr marL="10988" marR="10988" marT="10988" marB="0" anchor="ctr"/>
+                  <a:tcPr marL="7620" marR="7620" marT="7620" marB="0" anchor="ctr"/>
                 </a:tc>
                 <a:tc>
                   <a:txBody>
@@ -21792,21 +21678,18 @@
                     <a:p>
                       <a:pPr algn="r" fontAlgn="ctr"/>
                       <a:r>
-                        <a:rPr lang="es-CO" sz="1600" u="none" strike="noStrike">
+                        <a:rPr lang="es-CO" sz="1100" b="0" i="0" u="none" strike="noStrike">
+                          <a:solidFill>
+                            <a:srgbClr val="000000"/>
+                          </a:solidFill>
                           <a:effectLst/>
+                          <a:latin typeface="Aptos Narrow" panose="020B0004020202020204" pitchFamily="34" charset="0"/>
                         </a:rPr>
-                        <a:t>5%</a:t>
+                        <a:t>25%</a:t>
                       </a:r>
-                      <a:endParaRPr lang="es-CO" sz="1600" b="0" i="0" u="none" strike="noStrike">
-                        <a:solidFill>
-                          <a:srgbClr val="000000"/>
-                        </a:solidFill>
-                        <a:effectLst/>
-                        <a:latin typeface="Aptos Narrow" panose="020B0004020202020204" pitchFamily="34" charset="0"/>
-                      </a:endParaRPr>
                     </a:p>
                   </a:txBody>
-                  <a:tcPr marL="10988" marR="10988" marT="10988" marB="0" anchor="ctr"/>
+                  <a:tcPr marL="7620" marR="7620" marT="7620" marB="0" anchor="ctr"/>
                 </a:tc>
                 <a:tc>
                   <a:txBody>
@@ -21815,21 +21698,18 @@
                     <a:p>
                       <a:pPr algn="r" fontAlgn="ctr"/>
                       <a:r>
-                        <a:rPr lang="es-CO" sz="1600" u="none" strike="noStrike">
+                        <a:rPr lang="es-CO" sz="1100" b="0" i="0" u="none" strike="noStrike">
+                          <a:solidFill>
+                            <a:srgbClr val="000000"/>
+                          </a:solidFill>
                           <a:effectLst/>
+                          <a:latin typeface="Aptos Narrow" panose="020B0004020202020204" pitchFamily="34" charset="0"/>
                         </a:rPr>
                         <a:t>30%</a:t>
                       </a:r>
-                      <a:endParaRPr lang="es-CO" sz="1600" b="0" i="0" u="none" strike="noStrike">
-                        <a:solidFill>
-                          <a:srgbClr val="000000"/>
-                        </a:solidFill>
-                        <a:effectLst/>
-                        <a:latin typeface="Aptos Narrow" panose="020B0004020202020204" pitchFamily="34" charset="0"/>
-                      </a:endParaRPr>
                     </a:p>
                   </a:txBody>
-                  <a:tcPr marL="10988" marR="10988" marT="10988" marB="0" anchor="ctr"/>
+                  <a:tcPr marL="7620" marR="7620" marT="7620" marB="0" anchor="ctr"/>
                 </a:tc>
                 <a:tc>
                   <a:txBody>
@@ -21838,21 +21718,18 @@
                     <a:p>
                       <a:pPr algn="r" fontAlgn="ctr"/>
                       <a:r>
-                        <a:rPr lang="es-CO" sz="1600" u="none" strike="noStrike">
+                        <a:rPr lang="es-CO" sz="1100" b="0" i="0" u="none" strike="noStrike">
+                          <a:solidFill>
+                            <a:srgbClr val="000000"/>
+                          </a:solidFill>
                           <a:effectLst/>
+                          <a:latin typeface="Aptos Narrow" panose="020B0004020202020204" pitchFamily="34" charset="0"/>
                         </a:rPr>
-                        <a:t>12,50%</a:t>
+                        <a:t>20%</a:t>
                       </a:r>
-                      <a:endParaRPr lang="es-CO" sz="1600" b="0" i="0" u="none" strike="noStrike">
-                        <a:solidFill>
-                          <a:srgbClr val="000000"/>
-                        </a:solidFill>
-                        <a:effectLst/>
-                        <a:latin typeface="Aptos Narrow" panose="020B0004020202020204" pitchFamily="34" charset="0"/>
-                      </a:endParaRPr>
                     </a:p>
                   </a:txBody>
-                  <a:tcPr marL="10988" marR="10988" marT="10988" marB="0" anchor="ctr"/>
+                  <a:tcPr marL="7620" marR="7620" marT="7620" marB="0" anchor="ctr"/>
                 </a:tc>
                 <a:tc>
                   <a:txBody>
@@ -21861,21 +21738,18 @@
                     <a:p>
                       <a:pPr algn="r" fontAlgn="ctr"/>
                       <a:r>
-                        <a:rPr lang="es-CO" sz="1600" u="none" strike="noStrike">
+                        <a:rPr lang="es-CO" sz="1100" b="0" i="0" u="none" strike="noStrike">
+                          <a:solidFill>
+                            <a:srgbClr val="000000"/>
+                          </a:solidFill>
                           <a:effectLst/>
+                          <a:latin typeface="Aptos Narrow" panose="020B0004020202020204" pitchFamily="34" charset="0"/>
                         </a:rPr>
-                        <a:t>13,00%</a:t>
+                        <a:t>20%</a:t>
                       </a:r>
-                      <a:endParaRPr lang="es-CO" sz="1600" b="1" i="0" u="none" strike="noStrike">
-                        <a:solidFill>
-                          <a:srgbClr val="000000"/>
-                        </a:solidFill>
-                        <a:effectLst/>
-                        <a:latin typeface="Aptos Narrow" panose="020B0004020202020204" pitchFamily="34" charset="0"/>
-                      </a:endParaRPr>
                     </a:p>
                   </a:txBody>
-                  <a:tcPr marL="10988" marR="10988" marT="10988" marB="0" anchor="ctr"/>
+                  <a:tcPr marL="7620" marR="7620" marT="7620" marB="0" anchor="ctr"/>
                 </a:tc>
                 <a:extLst>
                   <a:ext uri="{0D108BD9-81ED-4DB2-BD59-A6C34878D82A}">
@@ -21891,21 +21765,18 @@
                     <a:p>
                       <a:pPr algn="l" fontAlgn="ctr"/>
                       <a:r>
-                        <a:rPr lang="es-CO" sz="1600" u="none" strike="noStrike">
+                        <a:rPr lang="es-CO" sz="1100" b="1" i="0" u="none" strike="noStrike">
+                          <a:solidFill>
+                            <a:srgbClr val="000000"/>
+                          </a:solidFill>
                           <a:effectLst/>
+                          <a:latin typeface="Aptos Narrow" panose="020B0004020202020204" pitchFamily="34" charset="0"/>
                         </a:rPr>
                         <a:t>Compatibilidad</a:t>
                       </a:r>
-                      <a:endParaRPr lang="es-CO" sz="1600" b="1" i="0" u="none" strike="noStrike">
-                        <a:solidFill>
-                          <a:srgbClr val="000000"/>
-                        </a:solidFill>
-                        <a:effectLst/>
-                        <a:latin typeface="Aptos Narrow" panose="020B0004020202020204" pitchFamily="34" charset="0"/>
-                      </a:endParaRPr>
                     </a:p>
                   </a:txBody>
-                  <a:tcPr marL="10988" marR="10988" marT="10988" marB="0" anchor="ctr"/>
+                  <a:tcPr marL="7620" marR="7620" marT="7620" marB="0" anchor="ctr"/>
                 </a:tc>
                 <a:tc>
                   <a:txBody>
@@ -21914,21 +21785,18 @@
                     <a:p>
                       <a:pPr algn="r" fontAlgn="ctr"/>
                       <a:r>
-                        <a:rPr lang="es-CO" sz="1600" u="none" strike="noStrike">
+                        <a:rPr lang="es-CO" sz="1100" b="0" i="0" u="none" strike="noStrike">
+                          <a:solidFill>
+                            <a:srgbClr val="000000"/>
+                          </a:solidFill>
                           <a:effectLst/>
+                          <a:latin typeface="Aptos Narrow" panose="020B0004020202020204" pitchFamily="34" charset="0"/>
                         </a:rPr>
                         <a:t>5%</a:t>
                       </a:r>
-                      <a:endParaRPr lang="es-CO" sz="1600" b="0" i="0" u="none" strike="noStrike">
-                        <a:solidFill>
-                          <a:srgbClr val="000000"/>
-                        </a:solidFill>
-                        <a:effectLst/>
-                        <a:latin typeface="Aptos Narrow" panose="020B0004020202020204" pitchFamily="34" charset="0"/>
-                      </a:endParaRPr>
                     </a:p>
                   </a:txBody>
-                  <a:tcPr marL="10988" marR="10988" marT="10988" marB="0" anchor="ctr"/>
+                  <a:tcPr marL="7620" marR="7620" marT="7620" marB="0" anchor="ctr"/>
                 </a:tc>
                 <a:tc>
                   <a:txBody>
@@ -21937,21 +21805,18 @@
                     <a:p>
                       <a:pPr algn="r" fontAlgn="ctr"/>
                       <a:r>
-                        <a:rPr lang="es-CO" sz="1600" u="none" strike="noStrike">
+                        <a:rPr lang="es-CO" sz="1100" b="0" i="0" u="none" strike="noStrike">
+                          <a:solidFill>
+                            <a:srgbClr val="000000"/>
+                          </a:solidFill>
                           <a:effectLst/>
+                          <a:latin typeface="Aptos Narrow" panose="020B0004020202020204" pitchFamily="34" charset="0"/>
                         </a:rPr>
                         <a:t>5%</a:t>
                       </a:r>
-                      <a:endParaRPr lang="es-CO" sz="1600" b="0" i="0" u="none" strike="noStrike">
-                        <a:solidFill>
-                          <a:srgbClr val="000000"/>
-                        </a:solidFill>
-                        <a:effectLst/>
-                        <a:latin typeface="Aptos Narrow" panose="020B0004020202020204" pitchFamily="34" charset="0"/>
-                      </a:endParaRPr>
                     </a:p>
                   </a:txBody>
-                  <a:tcPr marL="10988" marR="10988" marT="10988" marB="0" anchor="ctr"/>
+                  <a:tcPr marL="7620" marR="7620" marT="7620" marB="0" anchor="ctr"/>
                 </a:tc>
                 <a:tc>
                   <a:txBody>
@@ -21960,21 +21825,18 @@
                     <a:p>
                       <a:pPr algn="r" fontAlgn="ctr"/>
                       <a:r>
-                        <a:rPr lang="es-CO" sz="1600" u="none" strike="noStrike">
+                        <a:rPr lang="es-CO" sz="1100" b="0" i="0" u="none" strike="noStrike">
+                          <a:solidFill>
+                            <a:srgbClr val="000000"/>
+                          </a:solidFill>
                           <a:effectLst/>
+                          <a:latin typeface="Aptos Narrow" panose="020B0004020202020204" pitchFamily="34" charset="0"/>
                         </a:rPr>
-                        <a:t>5%</a:t>
+                        <a:t>10%</a:t>
                       </a:r>
-                      <a:endParaRPr lang="es-CO" sz="1600" b="0" i="0" u="none" strike="noStrike">
-                        <a:solidFill>
-                          <a:srgbClr val="000000"/>
-                        </a:solidFill>
-                        <a:effectLst/>
-                        <a:latin typeface="Aptos Narrow" panose="020B0004020202020204" pitchFamily="34" charset="0"/>
-                      </a:endParaRPr>
                     </a:p>
                   </a:txBody>
-                  <a:tcPr marL="10988" marR="10988" marT="10988" marB="0" anchor="ctr"/>
+                  <a:tcPr marL="7620" marR="7620" marT="7620" marB="0" anchor="ctr"/>
                 </a:tc>
                 <a:tc>
                   <a:txBody>
@@ -21983,21 +21845,18 @@
                     <a:p>
                       <a:pPr algn="r" fontAlgn="ctr"/>
                       <a:r>
-                        <a:rPr lang="es-CO" sz="1600" u="none" strike="noStrike">
+                        <a:rPr lang="es-CO" sz="1100" b="0" i="0" u="none" strike="noStrike">
+                          <a:solidFill>
+                            <a:srgbClr val="000000"/>
+                          </a:solidFill>
                           <a:effectLst/>
+                          <a:latin typeface="Aptos Narrow" panose="020B0004020202020204" pitchFamily="34" charset="0"/>
                         </a:rPr>
-                        <a:t>15%</a:t>
+                        <a:t>5%</a:t>
                       </a:r>
-                      <a:endParaRPr lang="es-CO" sz="1600" b="0" i="0" u="none" strike="noStrike">
-                        <a:solidFill>
-                          <a:srgbClr val="000000"/>
-                        </a:solidFill>
-                        <a:effectLst/>
-                        <a:latin typeface="Aptos Narrow" panose="020B0004020202020204" pitchFamily="34" charset="0"/>
-                      </a:endParaRPr>
                     </a:p>
                   </a:txBody>
-                  <a:tcPr marL="10988" marR="10988" marT="10988" marB="0" anchor="ctr"/>
+                  <a:tcPr marL="7620" marR="7620" marT="7620" marB="0" anchor="ctr"/>
                 </a:tc>
                 <a:tc>
                   <a:txBody>
@@ -22006,21 +21865,18 @@
                     <a:p>
                       <a:pPr algn="r" fontAlgn="ctr"/>
                       <a:r>
-                        <a:rPr lang="es-CO" sz="1600" u="none" strike="noStrike">
+                        <a:rPr lang="es-CO" sz="1100" b="0" i="0" u="none" strike="noStrike">
+                          <a:solidFill>
+                            <a:srgbClr val="000000"/>
+                          </a:solidFill>
                           <a:effectLst/>
+                          <a:latin typeface="Aptos Narrow" panose="020B0004020202020204" pitchFamily="34" charset="0"/>
                         </a:rPr>
-                        <a:t>7,50%</a:t>
+                        <a:t>6,25%</a:t>
                       </a:r>
-                      <a:endParaRPr lang="es-CO" sz="1600" b="0" i="0" u="none" strike="noStrike">
-                        <a:solidFill>
-                          <a:srgbClr val="000000"/>
-                        </a:solidFill>
-                        <a:effectLst/>
-                        <a:latin typeface="Aptos Narrow" panose="020B0004020202020204" pitchFamily="34" charset="0"/>
-                      </a:endParaRPr>
                     </a:p>
                   </a:txBody>
-                  <a:tcPr marL="10988" marR="10988" marT="10988" marB="0" anchor="ctr"/>
+                  <a:tcPr marL="7620" marR="7620" marT="7620" marB="0" anchor="ctr"/>
                 </a:tc>
                 <a:tc>
                   <a:txBody>
@@ -22029,21 +21885,18 @@
                     <a:p>
                       <a:pPr algn="r" fontAlgn="ctr"/>
                       <a:r>
-                        <a:rPr lang="es-CO" sz="1600" u="none" strike="noStrike">
+                        <a:rPr lang="es-CO" sz="1100" b="0" i="0" u="none" strike="noStrike">
+                          <a:solidFill>
+                            <a:srgbClr val="000000"/>
+                          </a:solidFill>
                           <a:effectLst/>
+                          <a:latin typeface="Aptos Narrow" panose="020B0004020202020204" pitchFamily="34" charset="0"/>
                         </a:rPr>
-                        <a:t>7,00%</a:t>
+                        <a:t>6%</a:t>
                       </a:r>
-                      <a:endParaRPr lang="es-CO" sz="1600" b="1" i="0" u="none" strike="noStrike">
-                        <a:solidFill>
-                          <a:srgbClr val="000000"/>
-                        </a:solidFill>
-                        <a:effectLst/>
-                        <a:latin typeface="Aptos Narrow" panose="020B0004020202020204" pitchFamily="34" charset="0"/>
-                      </a:endParaRPr>
                     </a:p>
                   </a:txBody>
-                  <a:tcPr marL="10988" marR="10988" marT="10988" marB="0" anchor="ctr"/>
+                  <a:tcPr marL="7620" marR="7620" marT="7620" marB="0" anchor="ctr"/>
                 </a:tc>
                 <a:extLst>
                   <a:ext uri="{0D108BD9-81ED-4DB2-BD59-A6C34878D82A}">
@@ -22059,21 +21912,18 @@
                     <a:p>
                       <a:pPr algn="l" fontAlgn="ctr"/>
                       <a:r>
-                        <a:rPr lang="es-CO" sz="1600" u="none" strike="noStrike">
+                        <a:rPr lang="es-CO" sz="1100" b="1" i="0" u="none" strike="noStrike">
+                          <a:solidFill>
+                            <a:srgbClr val="000000"/>
+                          </a:solidFill>
                           <a:effectLst/>
+                          <a:latin typeface="Aptos Narrow" panose="020B0004020202020204" pitchFamily="34" charset="0"/>
                         </a:rPr>
                         <a:t>Mantenibilidad</a:t>
                       </a:r>
-                      <a:endParaRPr lang="es-CO" sz="1600" b="1" i="0" u="none" strike="noStrike">
-                        <a:solidFill>
-                          <a:srgbClr val="000000"/>
-                        </a:solidFill>
-                        <a:effectLst/>
-                        <a:latin typeface="Aptos Narrow" panose="020B0004020202020204" pitchFamily="34" charset="0"/>
-                      </a:endParaRPr>
                     </a:p>
                   </a:txBody>
-                  <a:tcPr marL="10988" marR="10988" marT="10988" marB="0" anchor="ctr"/>
+                  <a:tcPr marL="7620" marR="7620" marT="7620" marB="0" anchor="ctr"/>
                 </a:tc>
                 <a:tc>
                   <a:txBody>
@@ -22082,21 +21932,18 @@
                     <a:p>
                       <a:pPr algn="r" fontAlgn="ctr"/>
                       <a:r>
-                        <a:rPr lang="es-CO" sz="1600" u="none" strike="noStrike">
+                        <a:rPr lang="es-CO" sz="1100" b="0" i="0" u="none" strike="noStrike">
+                          <a:solidFill>
+                            <a:srgbClr val="000000"/>
+                          </a:solidFill>
                           <a:effectLst/>
+                          <a:latin typeface="Aptos Narrow" panose="020B0004020202020204" pitchFamily="34" charset="0"/>
                         </a:rPr>
-                        <a:t>10%</a:t>
+                        <a:t>5%</a:t>
                       </a:r>
-                      <a:endParaRPr lang="es-CO" sz="1600" b="0" i="0" u="none" strike="noStrike">
-                        <a:solidFill>
-                          <a:srgbClr val="000000"/>
-                        </a:solidFill>
-                        <a:effectLst/>
-                        <a:latin typeface="Aptos Narrow" panose="020B0004020202020204" pitchFamily="34" charset="0"/>
-                      </a:endParaRPr>
                     </a:p>
                   </a:txBody>
-                  <a:tcPr marL="10988" marR="10988" marT="10988" marB="0" anchor="ctr"/>
+                  <a:tcPr marL="7620" marR="7620" marT="7620" marB="0" anchor="ctr"/>
                 </a:tc>
                 <a:tc>
                   <a:txBody>
@@ -22105,21 +21952,18 @@
                     <a:p>
                       <a:pPr algn="r" fontAlgn="ctr"/>
                       <a:r>
-                        <a:rPr lang="es-CO" sz="1600" u="none" strike="noStrike">
+                        <a:rPr lang="es-CO" sz="1100" b="0" i="0" u="none" strike="noStrike">
+                          <a:solidFill>
+                            <a:srgbClr val="000000"/>
+                          </a:solidFill>
                           <a:effectLst/>
+                          <a:latin typeface="Aptos Narrow" panose="020B0004020202020204" pitchFamily="34" charset="0"/>
                         </a:rPr>
                         <a:t>10%</a:t>
                       </a:r>
-                      <a:endParaRPr lang="es-CO" sz="1600" b="0" i="0" u="none" strike="noStrike">
-                        <a:solidFill>
-                          <a:srgbClr val="000000"/>
-                        </a:solidFill>
-                        <a:effectLst/>
-                        <a:latin typeface="Aptos Narrow" panose="020B0004020202020204" pitchFamily="34" charset="0"/>
-                      </a:endParaRPr>
                     </a:p>
                   </a:txBody>
-                  <a:tcPr marL="10988" marR="10988" marT="10988" marB="0" anchor="ctr"/>
+                  <a:tcPr marL="7620" marR="7620" marT="7620" marB="0" anchor="ctr"/>
                 </a:tc>
                 <a:tc>
                   <a:txBody>
@@ -22128,21 +21972,18 @@
                     <a:p>
                       <a:pPr algn="r" fontAlgn="ctr"/>
                       <a:r>
-                        <a:rPr lang="es-CO" sz="1600" u="none" strike="noStrike">
+                        <a:rPr lang="es-CO" sz="1100" b="0" i="0" u="none" strike="noStrike">
+                          <a:solidFill>
+                            <a:srgbClr val="000000"/>
+                          </a:solidFill>
                           <a:effectLst/>
+                          <a:latin typeface="Aptos Narrow" panose="020B0004020202020204" pitchFamily="34" charset="0"/>
                         </a:rPr>
                         <a:t>10%</a:t>
                       </a:r>
-                      <a:endParaRPr lang="es-CO" sz="1600" b="0" i="0" u="none" strike="noStrike">
-                        <a:solidFill>
-                          <a:srgbClr val="000000"/>
-                        </a:solidFill>
-                        <a:effectLst/>
-                        <a:latin typeface="Aptos Narrow" panose="020B0004020202020204" pitchFamily="34" charset="0"/>
-                      </a:endParaRPr>
                     </a:p>
                   </a:txBody>
-                  <a:tcPr marL="10988" marR="10988" marT="10988" marB="0" anchor="ctr"/>
+                  <a:tcPr marL="7620" marR="7620" marT="7620" marB="0" anchor="ctr"/>
                 </a:tc>
                 <a:tc>
                   <a:txBody>
@@ -22151,21 +21992,18 @@
                     <a:p>
                       <a:pPr algn="r" fontAlgn="ctr"/>
                       <a:r>
-                        <a:rPr lang="es-CO" sz="1600" u="none" strike="noStrike">
+                        <a:rPr lang="es-CO" sz="1100" b="0" i="0" u="none" strike="noStrike">
+                          <a:solidFill>
+                            <a:srgbClr val="000000"/>
+                          </a:solidFill>
                           <a:effectLst/>
+                          <a:latin typeface="Aptos Narrow" panose="020B0004020202020204" pitchFamily="34" charset="0"/>
                         </a:rPr>
-                        <a:t>15%</a:t>
+                        <a:t>10%</a:t>
                       </a:r>
-                      <a:endParaRPr lang="es-CO" sz="1600" b="0" i="0" u="none" strike="noStrike">
-                        <a:solidFill>
-                          <a:srgbClr val="000000"/>
-                        </a:solidFill>
-                        <a:effectLst/>
-                        <a:latin typeface="Aptos Narrow" panose="020B0004020202020204" pitchFamily="34" charset="0"/>
-                      </a:endParaRPr>
                     </a:p>
                   </a:txBody>
-                  <a:tcPr marL="10988" marR="10988" marT="10988" marB="0" anchor="ctr"/>
+                  <a:tcPr marL="7620" marR="7620" marT="7620" marB="0" anchor="ctr"/>
                 </a:tc>
                 <a:tc>
                   <a:txBody>
@@ -22174,21 +22012,18 @@
                     <a:p>
                       <a:pPr algn="r" fontAlgn="ctr"/>
                       <a:r>
-                        <a:rPr lang="es-CO" sz="1600" u="none" strike="noStrike">
+                        <a:rPr lang="es-CO" sz="1100" b="0" i="0" u="none" strike="noStrike">
+                          <a:solidFill>
+                            <a:srgbClr val="000000"/>
+                          </a:solidFill>
                           <a:effectLst/>
+                          <a:latin typeface="Aptos Narrow" panose="020B0004020202020204" pitchFamily="34" charset="0"/>
                         </a:rPr>
-                        <a:t>11,25%</a:t>
+                        <a:t>8,75%</a:t>
                       </a:r>
-                      <a:endParaRPr lang="es-CO" sz="1600" b="0" i="0" u="none" strike="noStrike">
-                        <a:solidFill>
-                          <a:srgbClr val="000000"/>
-                        </a:solidFill>
-                        <a:effectLst/>
-                        <a:latin typeface="Aptos Narrow" panose="020B0004020202020204" pitchFamily="34" charset="0"/>
-                      </a:endParaRPr>
                     </a:p>
                   </a:txBody>
-                  <a:tcPr marL="10988" marR="10988" marT="10988" marB="0" anchor="ctr"/>
+                  <a:tcPr marL="7620" marR="7620" marT="7620" marB="0" anchor="ctr"/>
                 </a:tc>
                 <a:tc>
                   <a:txBody>
@@ -22197,21 +22032,18 @@
                     <a:p>
                       <a:pPr algn="r" fontAlgn="ctr"/>
                       <a:r>
-                        <a:rPr lang="es-CO" sz="1600" u="none" strike="noStrike">
+                        <a:rPr lang="es-CO" sz="1100" b="0" i="0" u="none" strike="noStrike">
+                          <a:solidFill>
+                            <a:srgbClr val="000000"/>
+                          </a:solidFill>
                           <a:effectLst/>
+                          <a:latin typeface="Aptos Narrow" panose="020B0004020202020204" pitchFamily="34" charset="0"/>
                         </a:rPr>
-                        <a:t>10,00%</a:t>
+                        <a:t>6%</a:t>
                       </a:r>
-                      <a:endParaRPr lang="es-CO" sz="1600" b="1" i="0" u="none" strike="noStrike">
-                        <a:solidFill>
-                          <a:srgbClr val="000000"/>
-                        </a:solidFill>
-                        <a:effectLst/>
-                        <a:latin typeface="Aptos Narrow" panose="020B0004020202020204" pitchFamily="34" charset="0"/>
-                      </a:endParaRPr>
                     </a:p>
                   </a:txBody>
-                  <a:tcPr marL="10988" marR="10988" marT="10988" marB="0" anchor="ctr"/>
+                  <a:tcPr marL="7620" marR="7620" marT="7620" marB="0" anchor="ctr"/>
                 </a:tc>
                 <a:extLst>
                   <a:ext uri="{0D108BD9-81ED-4DB2-BD59-A6C34878D82A}">
@@ -22227,21 +22059,18 @@
                     <a:p>
                       <a:pPr algn="l" fontAlgn="ctr"/>
                       <a:r>
-                        <a:rPr lang="es-CO" sz="1600" u="none" strike="noStrike">
+                        <a:rPr lang="es-CO" sz="1100" b="1" i="0" u="none" strike="noStrike">
+                          <a:solidFill>
+                            <a:srgbClr val="000000"/>
+                          </a:solidFill>
                           <a:effectLst/>
+                          <a:latin typeface="Aptos Narrow" panose="020B0004020202020204" pitchFamily="34" charset="0"/>
                         </a:rPr>
                         <a:t>Total</a:t>
                       </a:r>
-                      <a:endParaRPr lang="es-CO" sz="1600" b="1" i="0" u="none" strike="noStrike">
-                        <a:solidFill>
-                          <a:srgbClr val="000000"/>
-                        </a:solidFill>
-                        <a:effectLst/>
-                        <a:latin typeface="Aptos Narrow" panose="020B0004020202020204" pitchFamily="34" charset="0"/>
-                      </a:endParaRPr>
                     </a:p>
                   </a:txBody>
-                  <a:tcPr marL="10988" marR="10988" marT="10988" marB="0" anchor="ctr"/>
+                  <a:tcPr marL="7620" marR="7620" marT="7620" marB="0" anchor="ctr"/>
                 </a:tc>
                 <a:tc>
                   <a:txBody>
@@ -22250,21 +22079,18 @@
                     <a:p>
                       <a:pPr algn="r" fontAlgn="ctr"/>
                       <a:r>
-                        <a:rPr lang="es-CO" sz="1600" u="none" strike="noStrike">
+                        <a:rPr lang="es-CO" sz="1100" b="0" i="0" u="none" strike="noStrike">
+                          <a:solidFill>
+                            <a:srgbClr val="000000"/>
+                          </a:solidFill>
                           <a:effectLst/>
+                          <a:latin typeface="Aptos Narrow" panose="020B0004020202020204" pitchFamily="34" charset="0"/>
                         </a:rPr>
                         <a:t>100%</a:t>
                       </a:r>
-                      <a:endParaRPr lang="es-CO" sz="1600" b="1" i="0" u="none" strike="noStrike">
-                        <a:solidFill>
-                          <a:srgbClr val="000000"/>
-                        </a:solidFill>
-                        <a:effectLst/>
-                        <a:latin typeface="Aptos Narrow" panose="020B0004020202020204" pitchFamily="34" charset="0"/>
-                      </a:endParaRPr>
                     </a:p>
                   </a:txBody>
-                  <a:tcPr marL="10988" marR="10988" marT="10988" marB="0" anchor="ctr"/>
+                  <a:tcPr marL="7620" marR="7620" marT="7620" marB="0" anchor="ctr"/>
                 </a:tc>
                 <a:tc>
                   <a:txBody>
@@ -22273,21 +22099,18 @@
                     <a:p>
                       <a:pPr algn="r" fontAlgn="ctr"/>
                       <a:r>
-                        <a:rPr lang="es-CO" sz="1600" u="none" strike="noStrike">
+                        <a:rPr lang="es-CO" sz="1100" b="0" i="0" u="none" strike="noStrike">
+                          <a:solidFill>
+                            <a:srgbClr val="000000"/>
+                          </a:solidFill>
                           <a:effectLst/>
+                          <a:latin typeface="Aptos Narrow" panose="020B0004020202020204" pitchFamily="34" charset="0"/>
                         </a:rPr>
                         <a:t>100%</a:t>
                       </a:r>
-                      <a:endParaRPr lang="es-CO" sz="1600" b="1" i="0" u="none" strike="noStrike">
-                        <a:solidFill>
-                          <a:srgbClr val="000000"/>
-                        </a:solidFill>
-                        <a:effectLst/>
-                        <a:latin typeface="Aptos Narrow" panose="020B0004020202020204" pitchFamily="34" charset="0"/>
-                      </a:endParaRPr>
                     </a:p>
                   </a:txBody>
-                  <a:tcPr marL="10988" marR="10988" marT="10988" marB="0" anchor="ctr"/>
+                  <a:tcPr marL="7620" marR="7620" marT="7620" marB="0" anchor="ctr"/>
                 </a:tc>
                 <a:tc>
                   <a:txBody>
@@ -22296,21 +22119,18 @@
                     <a:p>
                       <a:pPr algn="r" fontAlgn="ctr"/>
                       <a:r>
-                        <a:rPr lang="es-CO" sz="1600" u="none" strike="noStrike">
+                        <a:rPr lang="es-CO" sz="1100" b="0" i="0" u="none" strike="noStrike">
+                          <a:solidFill>
+                            <a:srgbClr val="000000"/>
+                          </a:solidFill>
                           <a:effectLst/>
+                          <a:latin typeface="Aptos Narrow" panose="020B0004020202020204" pitchFamily="34" charset="0"/>
                         </a:rPr>
                         <a:t>100%</a:t>
                       </a:r>
-                      <a:endParaRPr lang="es-CO" sz="1600" b="1" i="0" u="none" strike="noStrike">
-                        <a:solidFill>
-                          <a:srgbClr val="000000"/>
-                        </a:solidFill>
-                        <a:effectLst/>
-                        <a:latin typeface="Aptos Narrow" panose="020B0004020202020204" pitchFamily="34" charset="0"/>
-                      </a:endParaRPr>
                     </a:p>
                   </a:txBody>
-                  <a:tcPr marL="10988" marR="10988" marT="10988" marB="0" anchor="ctr"/>
+                  <a:tcPr marL="7620" marR="7620" marT="7620" marB="0" anchor="ctr"/>
                 </a:tc>
                 <a:tc>
                   <a:txBody>
@@ -22319,21 +22139,18 @@
                     <a:p>
                       <a:pPr algn="r" fontAlgn="ctr"/>
                       <a:r>
-                        <a:rPr lang="es-CO" sz="1600" u="none" strike="noStrike">
+                        <a:rPr lang="es-CO" sz="1100" b="0" i="0" u="none" strike="noStrike">
+                          <a:solidFill>
+                            <a:srgbClr val="000000"/>
+                          </a:solidFill>
                           <a:effectLst/>
+                          <a:latin typeface="Aptos Narrow" panose="020B0004020202020204" pitchFamily="34" charset="0"/>
                         </a:rPr>
                         <a:t>100%</a:t>
                       </a:r>
-                      <a:endParaRPr lang="es-CO" sz="1600" b="1" i="0" u="none" strike="noStrike">
-                        <a:solidFill>
-                          <a:srgbClr val="000000"/>
-                        </a:solidFill>
-                        <a:effectLst/>
-                        <a:latin typeface="Aptos Narrow" panose="020B0004020202020204" pitchFamily="34" charset="0"/>
-                      </a:endParaRPr>
                     </a:p>
                   </a:txBody>
-                  <a:tcPr marL="10988" marR="10988" marT="10988" marB="0" anchor="ctr"/>
+                  <a:tcPr marL="7620" marR="7620" marT="7620" marB="0" anchor="ctr"/>
                 </a:tc>
                 <a:tc>
                   <a:txBody>
@@ -22342,21 +22159,18 @@
                     <a:p>
                       <a:pPr algn="l" fontAlgn="ctr"/>
                       <a:r>
-                        <a:rPr lang="es-CO" sz="1600" u="none" strike="noStrike">
+                        <a:rPr lang="es-CO" sz="1100" b="0" i="0" u="none" strike="noStrike">
+                          <a:solidFill>
+                            <a:srgbClr val="000000"/>
+                          </a:solidFill>
                           <a:effectLst/>
+                          <a:latin typeface="Aptos Narrow" panose="020B0004020202020204" pitchFamily="34" charset="0"/>
                         </a:rPr>
                         <a:t>—</a:t>
                       </a:r>
-                      <a:endParaRPr lang="es-CO" sz="1600" b="0" i="0" u="none" strike="noStrike">
-                        <a:solidFill>
-                          <a:srgbClr val="000000"/>
-                        </a:solidFill>
-                        <a:effectLst/>
-                        <a:latin typeface="Aptos Narrow" panose="020B0004020202020204" pitchFamily="34" charset="0"/>
-                      </a:endParaRPr>
                     </a:p>
                   </a:txBody>
-                  <a:tcPr marL="10988" marR="10988" marT="10988" marB="0" anchor="ctr"/>
+                  <a:tcPr marL="7620" marR="7620" marT="7620" marB="0" anchor="ctr"/>
                 </a:tc>
                 <a:tc>
                   <a:txBody>
@@ -22365,21 +22179,18 @@
                     <a:p>
                       <a:pPr algn="r" fontAlgn="ctr"/>
                       <a:r>
-                        <a:rPr lang="es-CO" sz="1600" u="none" strike="noStrike">
+                        <a:rPr lang="es-CO" sz="1100" b="1" i="0" u="none" strike="noStrike" dirty="0">
+                          <a:solidFill>
+                            <a:srgbClr val="000000"/>
+                          </a:solidFill>
                           <a:effectLst/>
+                          <a:latin typeface="Aptos Narrow" panose="020B0004020202020204" pitchFamily="34" charset="0"/>
                         </a:rPr>
-                        <a:t>100,00%</a:t>
+                        <a:t>100%</a:t>
                       </a:r>
-                      <a:endParaRPr lang="es-CO" sz="1600" b="1" i="0" u="none" strike="noStrike">
-                        <a:solidFill>
-                          <a:srgbClr val="000000"/>
-                        </a:solidFill>
-                        <a:effectLst/>
-                        <a:latin typeface="Aptos Narrow" panose="020B0004020202020204" pitchFamily="34" charset="0"/>
-                      </a:endParaRPr>
                     </a:p>
                   </a:txBody>
-                  <a:tcPr marL="10988" marR="10988" marT="10988" marB="0" anchor="ctr"/>
+                  <a:tcPr marL="7620" marR="7620" marT="7620" marB="0" anchor="ctr"/>
                 </a:tc>
                 <a:extLst>
                   <a:ext uri="{0D108BD9-81ED-4DB2-BD59-A6C34878D82A}">
